--- a/Sample.pptx
+++ b/Sample.pptx
@@ -6341,6 +6341,13 @@
   <p:clrMapOvr>
     <a:masterClrMapping/>
   </p:clrMapOvr>
+  <p:timing>
+    <p:tnLst>
+      <p:par>
+        <p:cTn id="1" dur="indefinite" restart="never" nodeType="tmRoot"/>
+      </p:par>
+    </p:tnLst>
+  </p:timing>
 </p:sld>
 </file>
 
@@ -6413,6 +6420,13 @@
   <p:clrMapOvr>
     <a:masterClrMapping/>
   </p:clrMapOvr>
+  <p:timing>
+    <p:tnLst>
+      <p:par>
+        <p:cTn id="1" dur="indefinite" restart="never" nodeType="tmRoot"/>
+      </p:par>
+    </p:tnLst>
+  </p:timing>
 </p:sld>
 </file>
 
@@ -6485,6 +6499,13 @@
   <p:clrMapOvr>
     <a:masterClrMapping/>
   </p:clrMapOvr>
+  <p:timing>
+    <p:tnLst>
+      <p:par>
+        <p:cTn id="1" dur="indefinite" restart="never" nodeType="tmRoot"/>
+      </p:par>
+    </p:tnLst>
+  </p:timing>
 </p:sld>
 </file>
 
@@ -6557,6 +6578,13 @@
   <p:clrMapOvr>
     <a:masterClrMapping/>
   </p:clrMapOvr>
+  <p:timing>
+    <p:tnLst>
+      <p:par>
+        <p:cTn id="1" dur="indefinite" restart="never" nodeType="tmRoot"/>
+      </p:par>
+    </p:tnLst>
+  </p:timing>
 </p:sld>
 </file>
 
@@ -6629,6 +6657,13 @@
   <p:clrMapOvr>
     <a:masterClrMapping/>
   </p:clrMapOvr>
+  <p:timing>
+    <p:tnLst>
+      <p:par>
+        <p:cTn id="1" dur="indefinite" restart="never" nodeType="tmRoot"/>
+      </p:par>
+    </p:tnLst>
+  </p:timing>
 </p:sld>
 </file>
 
@@ -6675,7 +6710,7 @@
     </a:clrScheme>
     <a:fontScheme name="Ion">
       <a:majorFont>
-        <a:latin typeface="Century Gothic" panose="020B0502020202020204"/>
+        <a:latin typeface="Century Gothic"/>
         <a:ea typeface=""/>
         <a:cs typeface=""/>
         <a:font script="Jpan" typeface="メイリオ"/>
@@ -6710,7 +6745,7 @@
         <a:font script="Geor" typeface="Sylfaen"/>
       </a:majorFont>
       <a:minorFont>
-        <a:latin typeface="Century Gothic" panose="020B0502020202020204"/>
+        <a:latin typeface="Century Gothic"/>
         <a:ea typeface=""/>
         <a:cs typeface=""/>
         <a:font script="Jpan" typeface="メイリオ"/>
@@ -6892,7 +6927,7 @@
   <a:extraClrSchemeLst/>
   <a:extLst>
     <a:ext uri="{05A4C25C-085E-4340-85A3-A5531E510DB2}">
-      <thm15:themeFamily xmlns:thm15="http://schemas.microsoft.com/office/thememl/2012/main" name="Ion" id="{B8441ADB-2E43-4AF7-B97A-BD870242C6A8}" vid="{292E63A9-BB86-4E3D-B92A-7223C6510D2E}"/>
+      <thm15:themeFamily xmlns:thm15="http://schemas.microsoft.com/office/thememl/2012/main" xmlns="" name="Ion" id="{B8441ADB-2E43-4AF7-B97A-BD870242C6A8}" vid="{292E63A9-BB86-4E3D-B92A-7223C6510D2E}"/>
     </a:ext>
   </a:extLst>
 </a:theme>
